--- a/test/presentation.pptx
+++ b/test/presentation.pptx
@@ -151,7 +151,7 @@
   </p:defaultTextStyle>
   <p:extLst>
     <p:ext uri="{EFAFB233-063F-42B5-8137-9DF3F51BA10A}">
-      <p15:sldGuideLst xmlns="" xmlns:p15="http://schemas.microsoft.com/office/powerpoint/2012/main">
+      <p15:sldGuideLst xmlns:p15="http://schemas.microsoft.com/office/powerpoint/2012/main" xmlns="">
         <p15:guide id="1" orient="horz" pos="164">
           <p15:clr>
             <a:srgbClr val="A4A3A4"/>
@@ -12014,11 +12014,15 @@
           <a:p>
             <a:r>
               <a:rPr lang="en-US" dirty="0" err="1" smtClean="0"/>
-              <a:t>Binarizied</a:t>
+              <a:t>Binarized</a:t>
             </a:r>
             <a:r>
               <a:rPr lang="en-US" dirty="0" smtClean="0"/>
-              <a:t> 3D Neuron </a:t>
+              <a:t> </a:t>
+            </a:r>
+            <a:r>
+              <a:rPr lang="en-US" dirty="0" smtClean="0"/>
+              <a:t>3D Neuron </a:t>
             </a:r>
             <a:endParaRPr lang="en-US" dirty="0"/>
           </a:p>
@@ -12046,6 +12050,36 @@
           </a:bodyPr>
           <a:lstStyle/>
           <a:p>
+            <a:endParaRPr lang="en-US" dirty="0"/>
+          </a:p>
+        </p:txBody>
+      </p:sp>
+      <p:sp>
+        <p:nvSpPr>
+          <p:cNvPr id="12" name="TextBox 11"/>
+          <p:cNvSpPr txBox="1"/>
+          <p:nvPr/>
+        </p:nvSpPr>
+        <p:spPr>
+          <a:xfrm>
+            <a:off x="5377205" y="1211868"/>
+            <a:ext cx="2582758" cy="369332"/>
+          </a:xfrm>
+          <a:prstGeom prst="rect">
+            <a:avLst/>
+          </a:prstGeom>
+          <a:noFill/>
+        </p:spPr>
+        <p:txBody>
+          <a:bodyPr wrap="none" rtlCol="0">
+            <a:spAutoFit/>
+          </a:bodyPr>
+          <a:lstStyle/>
+          <a:p>
+            <a:r>
+              <a:rPr lang="en-US" dirty="0" smtClean="0"/>
+              <a:t>Skeleton of 3D Neuron </a:t>
+            </a:r>
             <a:endParaRPr lang="en-US" dirty="0"/>
           </a:p>
         </p:txBody>
@@ -12209,8 +12243,8 @@
         </p:blipFill>
         <p:spPr>
           <a:xfrm>
-            <a:off x="1043608" y="1484785"/>
-            <a:ext cx="2073100" cy="2088232"/>
+            <a:off x="1043608" y="1614609"/>
+            <a:ext cx="1944216" cy="1958407"/>
           </a:xfrm>
           <a:prstGeom prst="rect">
             <a:avLst/>
@@ -12239,8 +12273,8 @@
         </p:blipFill>
         <p:spPr>
           <a:xfrm>
-            <a:off x="5580112" y="1484783"/>
-            <a:ext cx="2135952" cy="2088233"/>
+            <a:off x="5580112" y="1672235"/>
+            <a:ext cx="1944216" cy="1900781"/>
           </a:xfrm>
           <a:prstGeom prst="rect">
             <a:avLst/>
@@ -12343,6 +12377,66 @@
           </a:fontRef>
         </p:style>
       </p:cxnSp>
+      <p:sp>
+        <p:nvSpPr>
+          <p:cNvPr id="5" name="TextBox 4"/>
+          <p:cNvSpPr txBox="1"/>
+          <p:nvPr/>
+        </p:nvSpPr>
+        <p:spPr>
+          <a:xfrm>
+            <a:off x="899592" y="1248613"/>
+            <a:ext cx="2403222" cy="369332"/>
+          </a:xfrm>
+          <a:prstGeom prst="rect">
+            <a:avLst/>
+          </a:prstGeom>
+          <a:noFill/>
+        </p:spPr>
+        <p:txBody>
+          <a:bodyPr wrap="none" rtlCol="0">
+            <a:spAutoFit/>
+          </a:bodyPr>
+          <a:lstStyle/>
+          <a:p>
+            <a:r>
+              <a:rPr lang="en-US" dirty="0" smtClean="0"/>
+              <a:t>Grayscale 3D Neuron</a:t>
+            </a:r>
+            <a:endParaRPr lang="en-US" dirty="0"/>
+          </a:p>
+        </p:txBody>
+      </p:sp>
+      <p:sp>
+        <p:nvSpPr>
+          <p:cNvPr id="7" name="TextBox 6"/>
+          <p:cNvSpPr txBox="1"/>
+          <p:nvPr/>
+        </p:nvSpPr>
+        <p:spPr>
+          <a:xfrm>
+            <a:off x="2987824" y="3717032"/>
+            <a:ext cx="1646605" cy="369332"/>
+          </a:xfrm>
+          <a:prstGeom prst="rect">
+            <a:avLst/>
+          </a:prstGeom>
+          <a:noFill/>
+        </p:spPr>
+        <p:txBody>
+          <a:bodyPr wrap="none" rtlCol="0">
+            <a:spAutoFit/>
+          </a:bodyPr>
+          <a:lstStyle/>
+          <a:p>
+            <a:r>
+              <a:rPr lang="en-US" smtClean="0"/>
+              <a:t>Stimulation of </a:t>
+            </a:r>
+            <a:endParaRPr lang="en-US" dirty="0"/>
+          </a:p>
+        </p:txBody>
+      </p:sp>
     </p:spTree>
     <p:extLst>
       <p:ext uri="{BB962C8B-B14F-4D97-AF65-F5344CB8AC3E}">
@@ -12494,7 +12588,7 @@
           <p:nvPr>
             <p:extLst>
               <p:ext uri="{D42A27DB-BD31-4B8C-83A1-F6EECF244321}">
-                <p14:modId xmlns:p14="http://schemas.microsoft.com/office/powerpoint/2010/main" val="4106283989"/>
+                <p14:modId xmlns:p14="http://schemas.microsoft.com/office/powerpoint/2010/main" val="668492449"/>
               </p:ext>
             </p:extLst>
           </p:nvPr>
@@ -12660,7 +12754,11 @@
                     <a:p>
                       <a:r>
                         <a:rPr lang="en-US" dirty="0" smtClean="0"/>
-                        <a:t>  </a:t>
+                        <a:t> </a:t>
+                      </a:r>
+                      <a:r>
+                        <a:rPr lang="en-US" dirty="0" smtClean="0"/>
+                        <a:t>7.6</a:t>
                       </a:r>
                       <a:endParaRPr lang="en-US" dirty="0"/>
                     </a:p>
@@ -12694,6 +12792,10 @@
                     <a:bodyPr/>
                     <a:lstStyle/>
                     <a:p>
+                      <a:r>
+                        <a:rPr lang="en-US" dirty="0" smtClean="0"/>
+                        <a:t>  55</a:t>
+                      </a:r>
                       <a:endParaRPr lang="en-US" dirty="0"/>
                     </a:p>
                   </a:txBody>
@@ -12781,11 +12883,7 @@
                     <a:p>
                       <a:r>
                         <a:rPr lang="en-US" dirty="0" smtClean="0"/>
-                        <a:t> </a:t>
-                      </a:r>
-                      <a:r>
-                        <a:rPr lang="en-US" dirty="0" smtClean="0"/>
-                        <a:t>  35</a:t>
+                        <a:t>   35</a:t>
                       </a:r>
                       <a:endParaRPr lang="en-US" dirty="0"/>
                     </a:p>
@@ -12965,6 +13063,10 @@
                         <a:rPr lang="en-US" dirty="0" smtClean="0"/>
                         <a:t> </a:t>
                       </a:r>
+                      <a:r>
+                        <a:rPr lang="en-US" dirty="0" smtClean="0"/>
+                        <a:t>8.9</a:t>
+                      </a:r>
                       <a:endParaRPr lang="en-US" dirty="0"/>
                     </a:p>
                   </a:txBody>
@@ -12989,7 +13091,11 @@
                     <a:bodyPr/>
                     <a:lstStyle/>
                     <a:p>
-                      <a:endParaRPr lang="en-US"/>
+                      <a:r>
+                        <a:rPr lang="en-US" dirty="0" smtClean="0"/>
+                        <a:t>  76</a:t>
+                      </a:r>
+                      <a:endParaRPr lang="en-US" dirty="0"/>
                     </a:p>
                   </a:txBody>
                   <a:tcPr/>
@@ -13090,11 +13196,7 @@
                     <a:p>
                       <a:r>
                         <a:rPr lang="en-US" dirty="0" smtClean="0"/>
-                        <a:t> </a:t>
-                      </a:r>
-                      <a:r>
-                        <a:rPr lang="en-US" dirty="0" smtClean="0"/>
-                        <a:t>66.8</a:t>
+                        <a:t> 66.8</a:t>
                       </a:r>
                       <a:endParaRPr lang="en-US" dirty="0"/>
                     </a:p>

--- a/test/presentation.pptx
+++ b/test/presentation.pptx
@@ -13,9 +13,9 @@
     <p:sldId id="256" r:id="rId4"/>
     <p:sldId id="315" r:id="rId5"/>
     <p:sldId id="318" r:id="rId6"/>
-    <p:sldId id="319" r:id="rId7"/>
+    <p:sldId id="320" r:id="rId7"/>
     <p:sldId id="317" r:id="rId8"/>
-    <p:sldId id="320" r:id="rId9"/>
+    <p:sldId id="319" r:id="rId9"/>
     <p:sldId id="321" r:id="rId10"/>
     <p:sldId id="322" r:id="rId11"/>
     <p:sldId id="323" r:id="rId12"/>
@@ -151,7 +151,7 @@
   </p:defaultTextStyle>
   <p:extLst>
     <p:ext uri="{EFAFB233-063F-42B5-8137-9DF3F51BA10A}">
-      <p15:sldGuideLst xmlns:p15="http://schemas.microsoft.com/office/powerpoint/2012/main" xmlns="">
+      <p15:sldGuideLst xmlns="" xmlns:p15="http://schemas.microsoft.com/office/powerpoint/2012/main">
         <p15:guide id="1" orient="horz" pos="164">
           <p15:clr>
             <a:srgbClr val="A4A3A4"/>
@@ -11170,7 +11170,7 @@
           <a:p>
             <a:r>
               <a:rPr lang="en-AU" dirty="0" smtClean="0"/>
-              <a:t>Soma Segmentation</a:t>
+              <a:t>Tree Segmentation</a:t>
             </a:r>
             <a:endParaRPr lang="en-AU" dirty="0"/>
           </a:p>
@@ -11225,6 +11225,521 @@
               <a:rPr lang="en-AU" smtClean="0"/>
               <a:pPr/>
               <a:t>4</a:t>
+            </a:fld>
+            <a:endParaRPr lang="en-AU"/>
+          </a:p>
+        </p:txBody>
+      </p:sp>
+      <p:pic>
+        <p:nvPicPr>
+          <p:cNvPr id="6" name="Picture 5"/>
+          <p:cNvPicPr>
+            <a:picLocks noChangeAspect="1"/>
+          </p:cNvPicPr>
+          <p:nvPr/>
+        </p:nvPicPr>
+        <p:blipFill>
+          <a:blip r:embed="rId2">
+            <a:extLst>
+              <a:ext uri="{28A0092B-C50C-407E-A947-70E740481C1C}">
+                <a14:useLocalDpi xmlns:a14="http://schemas.microsoft.com/office/drawing/2010/main" val="0"/>
+              </a:ext>
+            </a:extLst>
+          </a:blip>
+          <a:stretch>
+            <a:fillRect/>
+          </a:stretch>
+        </p:blipFill>
+        <p:spPr>
+          <a:xfrm>
+            <a:off x="693238" y="2356660"/>
+            <a:ext cx="3662738" cy="2808312"/>
+          </a:xfrm>
+          <a:prstGeom prst="rect">
+            <a:avLst/>
+          </a:prstGeom>
+        </p:spPr>
+      </p:pic>
+      <p:pic>
+        <p:nvPicPr>
+          <p:cNvPr id="8" name="Picture 7"/>
+          <p:cNvPicPr>
+            <a:picLocks noChangeAspect="1"/>
+          </p:cNvPicPr>
+          <p:nvPr/>
+        </p:nvPicPr>
+        <p:blipFill>
+          <a:blip r:embed="rId3">
+            <a:extLst>
+              <a:ext uri="{28A0092B-C50C-407E-A947-70E740481C1C}">
+                <a14:useLocalDpi xmlns:a14="http://schemas.microsoft.com/office/drawing/2010/main" val="0"/>
+              </a:ext>
+            </a:extLst>
+          </a:blip>
+          <a:stretch>
+            <a:fillRect/>
+          </a:stretch>
+        </p:blipFill>
+        <p:spPr>
+          <a:xfrm>
+            <a:off x="4807384" y="2356661"/>
+            <a:ext cx="3725056" cy="2808312"/>
+          </a:xfrm>
+          <a:prstGeom prst="rect">
+            <a:avLst/>
+          </a:prstGeom>
+        </p:spPr>
+      </p:pic>
+      <p:sp>
+        <p:nvSpPr>
+          <p:cNvPr id="5" name="Rectangle 4"/>
+          <p:cNvSpPr/>
+          <p:nvPr/>
+        </p:nvSpPr>
+        <p:spPr>
+          <a:xfrm>
+            <a:off x="1322996" y="1660158"/>
+            <a:ext cx="2403222" cy="369332"/>
+          </a:xfrm>
+          <a:prstGeom prst="rect">
+            <a:avLst/>
+          </a:prstGeom>
+        </p:spPr>
+        <p:txBody>
+          <a:bodyPr wrap="none">
+            <a:spAutoFit/>
+          </a:bodyPr>
+          <a:lstStyle/>
+          <a:p>
+            <a:r>
+              <a:rPr lang="en-US" dirty="0"/>
+              <a:t>Grayscale 3D Neuron</a:t>
+            </a:r>
+            <a:endParaRPr lang="en-US" dirty="0"/>
+          </a:p>
+        </p:txBody>
+      </p:sp>
+      <p:sp>
+        <p:nvSpPr>
+          <p:cNvPr id="9" name="TextBox 8"/>
+          <p:cNvSpPr txBox="1"/>
+          <p:nvPr/>
+        </p:nvSpPr>
+        <p:spPr>
+          <a:xfrm>
+            <a:off x="4320551" y="1668864"/>
+            <a:ext cx="4698722" cy="369332"/>
+          </a:xfrm>
+          <a:prstGeom prst="rect">
+            <a:avLst/>
+          </a:prstGeom>
+          <a:noFill/>
+        </p:spPr>
+        <p:txBody>
+          <a:bodyPr wrap="none" rtlCol="0">
+            <a:spAutoFit/>
+          </a:bodyPr>
+          <a:lstStyle/>
+          <a:p>
+            <a:r>
+              <a:rPr lang="en-US" dirty="0" smtClean="0"/>
+              <a:t>Adjustable </a:t>
+            </a:r>
+            <a:r>
+              <a:rPr lang="en-US" dirty="0" err="1" smtClean="0"/>
+              <a:t>Binarized</a:t>
+            </a:r>
+            <a:r>
+              <a:rPr lang="en-US" dirty="0" smtClean="0"/>
+              <a:t> </a:t>
+            </a:r>
+            <a:r>
+              <a:rPr lang="en-US" dirty="0" smtClean="0"/>
+              <a:t>3D </a:t>
+            </a:r>
+            <a:r>
+              <a:rPr lang="en-US" dirty="0" smtClean="0"/>
+              <a:t>Neuron using KNN </a:t>
+            </a:r>
+            <a:endParaRPr lang="en-US" dirty="0"/>
+          </a:p>
+        </p:txBody>
+      </p:sp>
+    </p:spTree>
+    <p:extLst>
+      <p:ext uri="{BB962C8B-B14F-4D97-AF65-F5344CB8AC3E}">
+        <p14:creationId xmlns:p14="http://schemas.microsoft.com/office/powerpoint/2010/main" val="1698054156"/>
+      </p:ext>
+    </p:extLst>
+  </p:cSld>
+  <p:clrMapOvr>
+    <a:masterClrMapping/>
+  </p:clrMapOvr>
+  <mc:AlternateContent xmlns:mc="http://schemas.openxmlformats.org/markup-compatibility/2006" xmlns:p14="http://schemas.microsoft.com/office/powerpoint/2010/main">
+    <mc:Choice Requires="p14">
+      <p:transition spd="slow" p14:dur="1200">
+        <p14:flip dir="r"/>
+      </p:transition>
+    </mc:Choice>
+    <mc:Fallback xmlns="">
+      <p:transition xmlns:p14="http://schemas.microsoft.com/office/powerpoint/2010/main" spd="slow">
+        <p:fade/>
+      </p:transition>
+    </mc:Fallback>
+  </mc:AlternateContent>
+  <p:timing>
+    <p:tnLst>
+      <p:par>
+        <p:cTn id="1" dur="indefinite" restart="never" nodeType="tmRoot"/>
+      </p:par>
+    </p:tnLst>
+  </p:timing>
+</p:sld>
+</file>
+
+<file path=ppt/slides/slide5.xml><?xml version="1.0" encoding="utf-8"?>
+<p:sld xmlns:a="http://schemas.openxmlformats.org/drawingml/2006/main" xmlns:r="http://schemas.openxmlformats.org/officeDocument/2006/relationships" xmlns:p="http://schemas.openxmlformats.org/presentationml/2006/main">
+  <p:cSld>
+    <p:spTree>
+      <p:nvGrpSpPr>
+        <p:cNvPr id="1" name=""/>
+        <p:cNvGrpSpPr/>
+        <p:nvPr/>
+      </p:nvGrpSpPr>
+      <p:grpSpPr>
+        <a:xfrm>
+          <a:off x="0" y="0"/>
+          <a:ext cx="0" cy="0"/>
+          <a:chOff x="0" y="0"/>
+          <a:chExt cx="0" cy="0"/>
+        </a:xfrm>
+      </p:grpSpPr>
+      <p:sp>
+        <p:nvSpPr>
+          <p:cNvPr id="2" name="Title 1"/>
+          <p:cNvSpPr>
+            <a:spLocks noGrp="1"/>
+          </p:cNvSpPr>
+          <p:nvPr>
+            <p:ph type="title"/>
+          </p:nvPr>
+        </p:nvSpPr>
+        <p:spPr/>
+        <p:txBody>
+          <a:bodyPr/>
+          <a:lstStyle/>
+          <a:p>
+            <a:r>
+              <a:rPr lang="en-AU" dirty="0" smtClean="0"/>
+              <a:t>Soma </a:t>
+            </a:r>
+            <a:r>
+              <a:rPr lang="en-AU" dirty="0" smtClean="0"/>
+              <a:t>Segmentation</a:t>
+            </a:r>
+            <a:endParaRPr lang="en-AU" dirty="0"/>
+          </a:p>
+        </p:txBody>
+      </p:sp>
+      <p:sp>
+        <p:nvSpPr>
+          <p:cNvPr id="3" name="Content Placeholder 2"/>
+          <p:cNvSpPr>
+            <a:spLocks noGrp="1"/>
+          </p:cNvSpPr>
+          <p:nvPr>
+            <p:ph idx="1"/>
+          </p:nvPr>
+        </p:nvSpPr>
+        <p:spPr/>
+        <p:txBody>
+          <a:bodyPr>
+            <a:normAutofit/>
+          </a:bodyPr>
+          <a:lstStyle/>
+          <a:p>
+            <a:endParaRPr lang="en-AU" dirty="0" smtClean="0"/>
+          </a:p>
+          <a:p>
+            <a:pPr marL="0" indent="0">
+              <a:buNone/>
+            </a:pPr>
+            <a:endParaRPr lang="en-AU" dirty="0" smtClean="0"/>
+          </a:p>
+          <a:p>
+            <a:endParaRPr lang="en-AU" dirty="0"/>
+          </a:p>
+        </p:txBody>
+      </p:sp>
+      <p:sp>
+        <p:nvSpPr>
+          <p:cNvPr id="4" name="Slide Number Placeholder 3"/>
+          <p:cNvSpPr>
+            <a:spLocks noGrp="1"/>
+          </p:cNvSpPr>
+          <p:nvPr>
+            <p:ph type="sldNum" sz="quarter" idx="10"/>
+          </p:nvPr>
+        </p:nvSpPr>
+        <p:spPr/>
+        <p:txBody>
+          <a:bodyPr/>
+          <a:lstStyle/>
+          <a:p>
+            <a:fld id="{E15C958E-F62C-4427-BED2-9F2AD66C62E6}" type="slidenum">
+              <a:rPr lang="en-AU" smtClean="0"/>
+              <a:pPr/>
+              <a:t>5</a:t>
+            </a:fld>
+            <a:endParaRPr lang="en-AU"/>
+          </a:p>
+        </p:txBody>
+      </p:sp>
+      <p:pic>
+        <p:nvPicPr>
+          <p:cNvPr id="5" name="Picture 4"/>
+          <p:cNvPicPr>
+            <a:picLocks noChangeAspect="1"/>
+          </p:cNvPicPr>
+          <p:nvPr/>
+        </p:nvPicPr>
+        <p:blipFill>
+          <a:blip r:embed="rId2">
+            <a:extLst>
+              <a:ext uri="{28A0092B-C50C-407E-A947-70E740481C1C}">
+                <a14:useLocalDpi xmlns:a14="http://schemas.microsoft.com/office/drawing/2010/main" val="0"/>
+              </a:ext>
+            </a:extLst>
+          </a:blip>
+          <a:stretch>
+            <a:fillRect/>
+          </a:stretch>
+        </p:blipFill>
+        <p:spPr>
+          <a:xfrm>
+            <a:off x="4932040" y="2348880"/>
+            <a:ext cx="3564570" cy="2880320"/>
+          </a:xfrm>
+          <a:prstGeom prst="rect">
+            <a:avLst/>
+          </a:prstGeom>
+        </p:spPr>
+      </p:pic>
+      <p:pic>
+        <p:nvPicPr>
+          <p:cNvPr id="7" name="Picture 6"/>
+          <p:cNvPicPr>
+            <a:picLocks noChangeAspect="1"/>
+          </p:cNvPicPr>
+          <p:nvPr/>
+        </p:nvPicPr>
+        <p:blipFill>
+          <a:blip r:embed="rId3">
+            <a:extLst>
+              <a:ext uri="{28A0092B-C50C-407E-A947-70E740481C1C}">
+                <a14:useLocalDpi xmlns:a14="http://schemas.microsoft.com/office/drawing/2010/main" val="0"/>
+              </a:ext>
+            </a:extLst>
+          </a:blip>
+          <a:stretch>
+            <a:fillRect/>
+          </a:stretch>
+        </p:blipFill>
+        <p:spPr>
+          <a:xfrm>
+            <a:off x="776467" y="2349306"/>
+            <a:ext cx="3579510" cy="2888947"/>
+          </a:xfrm>
+          <a:prstGeom prst="rect">
+            <a:avLst/>
+          </a:prstGeom>
+        </p:spPr>
+      </p:pic>
+      <p:sp>
+        <p:nvSpPr>
+          <p:cNvPr id="8" name="TextBox 7"/>
+          <p:cNvSpPr txBox="1"/>
+          <p:nvPr/>
+        </p:nvSpPr>
+        <p:spPr>
+          <a:xfrm>
+            <a:off x="678525" y="1753932"/>
+            <a:ext cx="3775393" cy="369332"/>
+          </a:xfrm>
+          <a:prstGeom prst="rect">
+            <a:avLst/>
+          </a:prstGeom>
+          <a:noFill/>
+        </p:spPr>
+        <p:txBody>
+          <a:bodyPr wrap="none" rtlCol="0">
+            <a:spAutoFit/>
+          </a:bodyPr>
+          <a:lstStyle/>
+          <a:p>
+            <a:r>
+              <a:rPr lang="en-US" dirty="0" smtClean="0"/>
+              <a:t>3D Neuron before Noise Reduction</a:t>
+            </a:r>
+            <a:endParaRPr lang="en-US" dirty="0"/>
+          </a:p>
+        </p:txBody>
+      </p:sp>
+      <p:sp>
+        <p:nvSpPr>
+          <p:cNvPr id="9" name="TextBox 8"/>
+          <p:cNvSpPr txBox="1"/>
+          <p:nvPr/>
+        </p:nvSpPr>
+        <p:spPr>
+          <a:xfrm>
+            <a:off x="4932040" y="1761442"/>
+            <a:ext cx="3583032" cy="369332"/>
+          </a:xfrm>
+          <a:prstGeom prst="rect">
+            <a:avLst/>
+          </a:prstGeom>
+          <a:noFill/>
+        </p:spPr>
+        <p:txBody>
+          <a:bodyPr wrap="none" rtlCol="0">
+            <a:spAutoFit/>
+          </a:bodyPr>
+          <a:lstStyle/>
+          <a:p>
+            <a:r>
+              <a:rPr lang="en-US" dirty="0" smtClean="0"/>
+              <a:t>3D Neuron after Noise Reduction</a:t>
+            </a:r>
+            <a:endParaRPr lang="en-US" dirty="0"/>
+          </a:p>
+        </p:txBody>
+      </p:sp>
+    </p:spTree>
+    <p:extLst>
+      <p:ext uri="{BB962C8B-B14F-4D97-AF65-F5344CB8AC3E}">
+        <p14:creationId xmlns:p14="http://schemas.microsoft.com/office/powerpoint/2010/main" val="4207484735"/>
+      </p:ext>
+    </p:extLst>
+  </p:cSld>
+  <p:clrMapOvr>
+    <a:masterClrMapping/>
+  </p:clrMapOvr>
+  <mc:AlternateContent xmlns:mc="http://schemas.openxmlformats.org/markup-compatibility/2006" xmlns:p14="http://schemas.microsoft.com/office/powerpoint/2010/main">
+    <mc:Choice Requires="p14">
+      <p:transition spd="slow" p14:dur="1200">
+        <p14:flip dir="r"/>
+      </p:transition>
+    </mc:Choice>
+    <mc:Fallback xmlns="">
+      <p:transition xmlns:p14="http://schemas.microsoft.com/office/powerpoint/2010/main" spd="slow">
+        <p:fade/>
+      </p:transition>
+    </mc:Fallback>
+  </mc:AlternateContent>
+  <p:timing>
+    <p:tnLst>
+      <p:par>
+        <p:cTn id="1" dur="indefinite" restart="never" nodeType="tmRoot"/>
+      </p:par>
+    </p:tnLst>
+  </p:timing>
+</p:sld>
+</file>
+
+<file path=ppt/slides/slide6.xml><?xml version="1.0" encoding="utf-8"?>
+<p:sld xmlns:a="http://schemas.openxmlformats.org/drawingml/2006/main" xmlns:r="http://schemas.openxmlformats.org/officeDocument/2006/relationships" xmlns:p="http://schemas.openxmlformats.org/presentationml/2006/main">
+  <p:cSld>
+    <p:spTree>
+      <p:nvGrpSpPr>
+        <p:cNvPr id="1" name=""/>
+        <p:cNvGrpSpPr/>
+        <p:nvPr/>
+      </p:nvGrpSpPr>
+      <p:grpSpPr>
+        <a:xfrm>
+          <a:off x="0" y="0"/>
+          <a:ext cx="0" cy="0"/>
+          <a:chOff x="0" y="0"/>
+          <a:chExt cx="0" cy="0"/>
+        </a:xfrm>
+      </p:grpSpPr>
+      <p:sp>
+        <p:nvSpPr>
+          <p:cNvPr id="2" name="Title 1"/>
+          <p:cNvSpPr>
+            <a:spLocks noGrp="1"/>
+          </p:cNvSpPr>
+          <p:nvPr>
+            <p:ph type="title"/>
+          </p:nvPr>
+        </p:nvSpPr>
+        <p:spPr/>
+        <p:txBody>
+          <a:bodyPr/>
+          <a:lstStyle/>
+          <a:p>
+            <a:r>
+              <a:rPr lang="en-AU" dirty="0" smtClean="0"/>
+              <a:t>Soma </a:t>
+            </a:r>
+            <a:r>
+              <a:rPr lang="en-AU" dirty="0" smtClean="0"/>
+              <a:t>Segmentation</a:t>
+            </a:r>
+            <a:endParaRPr lang="en-AU" dirty="0"/>
+          </a:p>
+        </p:txBody>
+      </p:sp>
+      <p:sp>
+        <p:nvSpPr>
+          <p:cNvPr id="3" name="Content Placeholder 2"/>
+          <p:cNvSpPr>
+            <a:spLocks noGrp="1"/>
+          </p:cNvSpPr>
+          <p:nvPr>
+            <p:ph idx="1"/>
+          </p:nvPr>
+        </p:nvSpPr>
+        <p:spPr/>
+        <p:txBody>
+          <a:bodyPr>
+            <a:normAutofit/>
+          </a:bodyPr>
+          <a:lstStyle/>
+          <a:p>
+            <a:endParaRPr lang="en-AU" dirty="0" smtClean="0"/>
+          </a:p>
+          <a:p>
+            <a:pPr marL="0" indent="0">
+              <a:buNone/>
+            </a:pPr>
+            <a:endParaRPr lang="en-AU" dirty="0" smtClean="0"/>
+          </a:p>
+          <a:p>
+            <a:endParaRPr lang="en-AU" dirty="0"/>
+          </a:p>
+        </p:txBody>
+      </p:sp>
+      <p:sp>
+        <p:nvSpPr>
+          <p:cNvPr id="4" name="Slide Number Placeholder 3"/>
+          <p:cNvSpPr>
+            <a:spLocks noGrp="1"/>
+          </p:cNvSpPr>
+          <p:nvPr>
+            <p:ph type="sldNum" sz="quarter" idx="10"/>
+          </p:nvPr>
+        </p:nvSpPr>
+        <p:spPr/>
+        <p:txBody>
+          <a:bodyPr/>
+          <a:lstStyle/>
+          <a:p>
+            <a:fld id="{E15C958E-F62C-4427-BED2-9F2AD66C62E6}" type="slidenum">
+              <a:rPr lang="en-AU" smtClean="0"/>
+              <a:pPr/>
+              <a:t>6</a:t>
             </a:fld>
             <a:endParaRPr lang="en-AU"/>
           </a:p>
@@ -11290,390 +11805,70 @@
           </a:prstGeom>
         </p:spPr>
       </p:pic>
+      <p:sp>
+        <p:nvSpPr>
+          <p:cNvPr id="7" name="TextBox 6"/>
+          <p:cNvSpPr txBox="1"/>
+          <p:nvPr/>
+        </p:nvSpPr>
+        <p:spPr>
+          <a:xfrm>
+            <a:off x="683568" y="1804174"/>
+            <a:ext cx="3416320" cy="369332"/>
+          </a:xfrm>
+          <a:prstGeom prst="rect">
+            <a:avLst/>
+          </a:prstGeom>
+          <a:noFill/>
+        </p:spPr>
+        <p:txBody>
+          <a:bodyPr wrap="none" rtlCol="0">
+            <a:spAutoFit/>
+          </a:bodyPr>
+          <a:lstStyle/>
+          <a:p>
+            <a:r>
+              <a:rPr lang="en-US" dirty="0" smtClean="0"/>
+              <a:t>3D Neuron shown by threshold </a:t>
+            </a:r>
+            <a:endParaRPr lang="en-US" dirty="0"/>
+          </a:p>
+        </p:txBody>
+      </p:sp>
+      <p:sp>
+        <p:nvSpPr>
+          <p:cNvPr id="8" name="TextBox 7"/>
+          <p:cNvSpPr txBox="1"/>
+          <p:nvPr/>
+        </p:nvSpPr>
+        <p:spPr>
+          <a:xfrm>
+            <a:off x="5007345" y="1804174"/>
+            <a:ext cx="3147015" cy="369332"/>
+          </a:xfrm>
+          <a:prstGeom prst="rect">
+            <a:avLst/>
+          </a:prstGeom>
+          <a:noFill/>
+        </p:spPr>
+        <p:txBody>
+          <a:bodyPr wrap="none" rtlCol="0">
+            <a:spAutoFit/>
+          </a:bodyPr>
+          <a:lstStyle/>
+          <a:p>
+            <a:r>
+              <a:rPr lang="en-US" dirty="0" smtClean="0"/>
+              <a:t>Clustering Result of k-means</a:t>
+            </a:r>
+            <a:endParaRPr lang="en-US" dirty="0"/>
+          </a:p>
+        </p:txBody>
+      </p:sp>
     </p:spTree>
     <p:extLst>
       <p:ext uri="{BB962C8B-B14F-4D97-AF65-F5344CB8AC3E}">
         <p14:creationId xmlns:p14="http://schemas.microsoft.com/office/powerpoint/2010/main" val="3144655635"/>
-      </p:ext>
-    </p:extLst>
-  </p:cSld>
-  <p:clrMapOvr>
-    <a:masterClrMapping/>
-  </p:clrMapOvr>
-  <mc:AlternateContent xmlns:mc="http://schemas.openxmlformats.org/markup-compatibility/2006" xmlns:p14="http://schemas.microsoft.com/office/powerpoint/2010/main">
-    <mc:Choice Requires="p14">
-      <p:transition spd="slow" p14:dur="1200">
-        <p14:flip dir="r"/>
-      </p:transition>
-    </mc:Choice>
-    <mc:Fallback xmlns="">
-      <p:transition xmlns:p14="http://schemas.microsoft.com/office/powerpoint/2010/main" spd="slow">
-        <p:fade/>
-      </p:transition>
-    </mc:Fallback>
-  </mc:AlternateContent>
-  <p:timing>
-    <p:tnLst>
-      <p:par>
-        <p:cTn id="1" dur="indefinite" restart="never" nodeType="tmRoot"/>
-      </p:par>
-    </p:tnLst>
-  </p:timing>
-</p:sld>
-</file>
-
-<file path=ppt/slides/slide5.xml><?xml version="1.0" encoding="utf-8"?>
-<p:sld xmlns:a="http://schemas.openxmlformats.org/drawingml/2006/main" xmlns:r="http://schemas.openxmlformats.org/officeDocument/2006/relationships" xmlns:p="http://schemas.openxmlformats.org/presentationml/2006/main">
-  <p:cSld>
-    <p:spTree>
-      <p:nvGrpSpPr>
-        <p:cNvPr id="1" name=""/>
-        <p:cNvGrpSpPr/>
-        <p:nvPr/>
-      </p:nvGrpSpPr>
-      <p:grpSpPr>
-        <a:xfrm>
-          <a:off x="0" y="0"/>
-          <a:ext cx="0" cy="0"/>
-          <a:chOff x="0" y="0"/>
-          <a:chExt cx="0" cy="0"/>
-        </a:xfrm>
-      </p:grpSpPr>
-      <p:sp>
-        <p:nvSpPr>
-          <p:cNvPr id="2" name="Title 1"/>
-          <p:cNvSpPr>
-            <a:spLocks noGrp="1"/>
-          </p:cNvSpPr>
-          <p:nvPr>
-            <p:ph type="title"/>
-          </p:nvPr>
-        </p:nvSpPr>
-        <p:spPr/>
-        <p:txBody>
-          <a:bodyPr/>
-          <a:lstStyle/>
-          <a:p>
-            <a:r>
-              <a:rPr lang="en-AU" dirty="0" smtClean="0"/>
-              <a:t>Soma Segmentation </a:t>
-            </a:r>
-            <a:r>
-              <a:rPr lang="en-US" dirty="0" smtClean="0"/>
-              <a:t>(</a:t>
-            </a:r>
-            <a:r>
-              <a:rPr lang="en-US" dirty="0"/>
-              <a:t>cont.)</a:t>
-            </a:r>
-            <a:endParaRPr lang="en-AU" dirty="0"/>
-          </a:p>
-        </p:txBody>
-      </p:sp>
-      <p:sp>
-        <p:nvSpPr>
-          <p:cNvPr id="3" name="Content Placeholder 2"/>
-          <p:cNvSpPr>
-            <a:spLocks noGrp="1"/>
-          </p:cNvSpPr>
-          <p:nvPr>
-            <p:ph idx="1"/>
-          </p:nvPr>
-        </p:nvSpPr>
-        <p:spPr/>
-        <p:txBody>
-          <a:bodyPr>
-            <a:normAutofit/>
-          </a:bodyPr>
-          <a:lstStyle/>
-          <a:p>
-            <a:endParaRPr lang="en-AU" dirty="0" smtClean="0"/>
-          </a:p>
-          <a:p>
-            <a:pPr marL="0" indent="0">
-              <a:buNone/>
-            </a:pPr>
-            <a:endParaRPr lang="en-AU" dirty="0" smtClean="0"/>
-          </a:p>
-          <a:p>
-            <a:endParaRPr lang="en-AU" dirty="0"/>
-          </a:p>
-        </p:txBody>
-      </p:sp>
-      <p:sp>
-        <p:nvSpPr>
-          <p:cNvPr id="4" name="Slide Number Placeholder 3"/>
-          <p:cNvSpPr>
-            <a:spLocks noGrp="1"/>
-          </p:cNvSpPr>
-          <p:nvPr>
-            <p:ph type="sldNum" sz="quarter" idx="10"/>
-          </p:nvPr>
-        </p:nvSpPr>
-        <p:spPr/>
-        <p:txBody>
-          <a:bodyPr/>
-          <a:lstStyle/>
-          <a:p>
-            <a:fld id="{E15C958E-F62C-4427-BED2-9F2AD66C62E6}" type="slidenum">
-              <a:rPr lang="en-AU" smtClean="0"/>
-              <a:pPr/>
-              <a:t>5</a:t>
-            </a:fld>
-            <a:endParaRPr lang="en-AU"/>
-          </a:p>
-        </p:txBody>
-      </p:sp>
-      <p:pic>
-        <p:nvPicPr>
-          <p:cNvPr id="5" name="Picture 4"/>
-          <p:cNvPicPr>
-            <a:picLocks noChangeAspect="1"/>
-          </p:cNvPicPr>
-          <p:nvPr/>
-        </p:nvPicPr>
-        <p:blipFill>
-          <a:blip r:embed="rId2">
-            <a:extLst>
-              <a:ext uri="{28A0092B-C50C-407E-A947-70E740481C1C}">
-                <a14:useLocalDpi xmlns:a14="http://schemas.microsoft.com/office/drawing/2010/main" val="0"/>
-              </a:ext>
-            </a:extLst>
-          </a:blip>
-          <a:stretch>
-            <a:fillRect/>
-          </a:stretch>
-        </p:blipFill>
-        <p:spPr>
-          <a:xfrm>
-            <a:off x="4932040" y="2348880"/>
-            <a:ext cx="3564570" cy="2880320"/>
-          </a:xfrm>
-          <a:prstGeom prst="rect">
-            <a:avLst/>
-          </a:prstGeom>
-        </p:spPr>
-      </p:pic>
-      <p:pic>
-        <p:nvPicPr>
-          <p:cNvPr id="7" name="Picture 6"/>
-          <p:cNvPicPr>
-            <a:picLocks noChangeAspect="1"/>
-          </p:cNvPicPr>
-          <p:nvPr/>
-        </p:nvPicPr>
-        <p:blipFill>
-          <a:blip r:embed="rId3">
-            <a:extLst>
-              <a:ext uri="{28A0092B-C50C-407E-A947-70E740481C1C}">
-                <a14:useLocalDpi xmlns:a14="http://schemas.microsoft.com/office/drawing/2010/main" val="0"/>
-              </a:ext>
-            </a:extLst>
-          </a:blip>
-          <a:stretch>
-            <a:fillRect/>
-          </a:stretch>
-        </p:blipFill>
-        <p:spPr>
-          <a:xfrm>
-            <a:off x="776467" y="2349306"/>
-            <a:ext cx="3579510" cy="2888947"/>
-          </a:xfrm>
-          <a:prstGeom prst="rect">
-            <a:avLst/>
-          </a:prstGeom>
-        </p:spPr>
-      </p:pic>
-    </p:spTree>
-    <p:extLst>
-      <p:ext uri="{BB962C8B-B14F-4D97-AF65-F5344CB8AC3E}">
-        <p14:creationId xmlns:p14="http://schemas.microsoft.com/office/powerpoint/2010/main" val="4207484735"/>
-      </p:ext>
-    </p:extLst>
-  </p:cSld>
-  <p:clrMapOvr>
-    <a:masterClrMapping/>
-  </p:clrMapOvr>
-  <mc:AlternateContent xmlns:mc="http://schemas.openxmlformats.org/markup-compatibility/2006" xmlns:p14="http://schemas.microsoft.com/office/powerpoint/2010/main">
-    <mc:Choice Requires="p14">
-      <p:transition spd="slow" p14:dur="1200">
-        <p14:flip dir="r"/>
-      </p:transition>
-    </mc:Choice>
-    <mc:Fallback xmlns="">
-      <p:transition xmlns:p14="http://schemas.microsoft.com/office/powerpoint/2010/main" spd="slow">
-        <p:fade/>
-      </p:transition>
-    </mc:Fallback>
-  </mc:AlternateContent>
-  <p:timing>
-    <p:tnLst>
-      <p:par>
-        <p:cTn id="1" dur="indefinite" restart="never" nodeType="tmRoot"/>
-      </p:par>
-    </p:tnLst>
-  </p:timing>
-</p:sld>
-</file>
-
-<file path=ppt/slides/slide6.xml><?xml version="1.0" encoding="utf-8"?>
-<p:sld xmlns:a="http://schemas.openxmlformats.org/drawingml/2006/main" xmlns:r="http://schemas.openxmlformats.org/officeDocument/2006/relationships" xmlns:p="http://schemas.openxmlformats.org/presentationml/2006/main">
-  <p:cSld>
-    <p:spTree>
-      <p:nvGrpSpPr>
-        <p:cNvPr id="1" name=""/>
-        <p:cNvGrpSpPr/>
-        <p:nvPr/>
-      </p:nvGrpSpPr>
-      <p:grpSpPr>
-        <a:xfrm>
-          <a:off x="0" y="0"/>
-          <a:ext cx="0" cy="0"/>
-          <a:chOff x="0" y="0"/>
-          <a:chExt cx="0" cy="0"/>
-        </a:xfrm>
-      </p:grpSpPr>
-      <p:sp>
-        <p:nvSpPr>
-          <p:cNvPr id="2" name="Title 1"/>
-          <p:cNvSpPr>
-            <a:spLocks noGrp="1"/>
-          </p:cNvSpPr>
-          <p:nvPr>
-            <p:ph type="title"/>
-          </p:nvPr>
-        </p:nvSpPr>
-        <p:spPr/>
-        <p:txBody>
-          <a:bodyPr/>
-          <a:lstStyle/>
-          <a:p>
-            <a:r>
-              <a:rPr lang="en-AU" dirty="0" smtClean="0"/>
-              <a:t>Tree Segmentation</a:t>
-            </a:r>
-            <a:endParaRPr lang="en-AU" dirty="0"/>
-          </a:p>
-        </p:txBody>
-      </p:sp>
-      <p:sp>
-        <p:nvSpPr>
-          <p:cNvPr id="3" name="Content Placeholder 2"/>
-          <p:cNvSpPr>
-            <a:spLocks noGrp="1"/>
-          </p:cNvSpPr>
-          <p:nvPr>
-            <p:ph idx="1"/>
-          </p:nvPr>
-        </p:nvSpPr>
-        <p:spPr/>
-        <p:txBody>
-          <a:bodyPr>
-            <a:normAutofit/>
-          </a:bodyPr>
-          <a:lstStyle/>
-          <a:p>
-            <a:endParaRPr lang="en-AU" dirty="0" smtClean="0"/>
-          </a:p>
-          <a:p>
-            <a:pPr marL="0" indent="0">
-              <a:buNone/>
-            </a:pPr>
-            <a:endParaRPr lang="en-AU" dirty="0" smtClean="0"/>
-          </a:p>
-          <a:p>
-            <a:endParaRPr lang="en-AU" dirty="0"/>
-          </a:p>
-        </p:txBody>
-      </p:sp>
-      <p:sp>
-        <p:nvSpPr>
-          <p:cNvPr id="4" name="Slide Number Placeholder 3"/>
-          <p:cNvSpPr>
-            <a:spLocks noGrp="1"/>
-          </p:cNvSpPr>
-          <p:nvPr>
-            <p:ph type="sldNum" sz="quarter" idx="10"/>
-          </p:nvPr>
-        </p:nvSpPr>
-        <p:spPr/>
-        <p:txBody>
-          <a:bodyPr/>
-          <a:lstStyle/>
-          <a:p>
-            <a:fld id="{E15C958E-F62C-4427-BED2-9F2AD66C62E6}" type="slidenum">
-              <a:rPr lang="en-AU" smtClean="0"/>
-              <a:pPr/>
-              <a:t>6</a:t>
-            </a:fld>
-            <a:endParaRPr lang="en-AU"/>
-          </a:p>
-        </p:txBody>
-      </p:sp>
-      <p:pic>
-        <p:nvPicPr>
-          <p:cNvPr id="6" name="Picture 5"/>
-          <p:cNvPicPr>
-            <a:picLocks noChangeAspect="1"/>
-          </p:cNvPicPr>
-          <p:nvPr/>
-        </p:nvPicPr>
-        <p:blipFill>
-          <a:blip r:embed="rId2">
-            <a:extLst>
-              <a:ext uri="{28A0092B-C50C-407E-A947-70E740481C1C}">
-                <a14:useLocalDpi xmlns:a14="http://schemas.microsoft.com/office/drawing/2010/main" val="0"/>
-              </a:ext>
-            </a:extLst>
-          </a:blip>
-          <a:stretch>
-            <a:fillRect/>
-          </a:stretch>
-        </p:blipFill>
-        <p:spPr>
-          <a:xfrm>
-            <a:off x="693238" y="2356660"/>
-            <a:ext cx="3662738" cy="2808312"/>
-          </a:xfrm>
-          <a:prstGeom prst="rect">
-            <a:avLst/>
-          </a:prstGeom>
-        </p:spPr>
-      </p:pic>
-      <p:pic>
-        <p:nvPicPr>
-          <p:cNvPr id="8" name="Picture 7"/>
-          <p:cNvPicPr>
-            <a:picLocks noChangeAspect="1"/>
-          </p:cNvPicPr>
-          <p:nvPr/>
-        </p:nvPicPr>
-        <p:blipFill>
-          <a:blip r:embed="rId3">
-            <a:extLst>
-              <a:ext uri="{28A0092B-C50C-407E-A947-70E740481C1C}">
-                <a14:useLocalDpi xmlns:a14="http://schemas.microsoft.com/office/drawing/2010/main" val="0"/>
-              </a:ext>
-            </a:extLst>
-          </a:blip>
-          <a:stretch>
-            <a:fillRect/>
-          </a:stretch>
-        </p:blipFill>
-        <p:spPr>
-          <a:xfrm>
-            <a:off x="4807384" y="2356661"/>
-            <a:ext cx="3725056" cy="2808312"/>
-          </a:xfrm>
-          <a:prstGeom prst="rect">
-            <a:avLst/>
-          </a:prstGeom>
-        </p:spPr>
-      </p:pic>
-    </p:spTree>
-    <p:extLst>
-      <p:ext uri="{BB962C8B-B14F-4D97-AF65-F5344CB8AC3E}">
-        <p14:creationId xmlns:p14="http://schemas.microsoft.com/office/powerpoint/2010/main" val="1698054156"/>
       </p:ext>
     </p:extLst>
   </p:cSld>
@@ -11737,14 +11932,6 @@
             <a:r>
               <a:rPr lang="en-AU" dirty="0" smtClean="0"/>
               <a:t>Tree Segmentation </a:t>
-            </a:r>
-            <a:r>
-              <a:rPr lang="en-US" dirty="0" smtClean="0"/>
-              <a:t>(</a:t>
-            </a:r>
-            <a:r>
-              <a:rPr lang="en-US" dirty="0"/>
-              <a:t>cont.)</a:t>
             </a:r>
             <a:endParaRPr lang="en-AU" dirty="0"/>
           </a:p>
@@ -11998,8 +12185,8 @@
         </p:nvSpPr>
         <p:spPr>
           <a:xfrm>
-            <a:off x="1023250" y="1259469"/>
-            <a:ext cx="2441694" cy="369332"/>
+            <a:off x="633927" y="1211868"/>
+            <a:ext cx="3852337" cy="369332"/>
           </a:xfrm>
           <a:prstGeom prst="rect">
             <a:avLst/>
@@ -12018,7 +12205,7 @@
             </a:r>
             <a:r>
               <a:rPr lang="en-US" dirty="0" smtClean="0"/>
-              <a:t> </a:t>
+              <a:t>(or Grayscale) </a:t>
             </a:r>
             <a:r>
               <a:rPr lang="en-US" dirty="0" smtClean="0"/>
@@ -12385,8 +12572,8 @@
         </p:nvSpPr>
         <p:spPr>
           <a:xfrm>
-            <a:off x="899592" y="1248613"/>
-            <a:ext cx="2403222" cy="369332"/>
+            <a:off x="1025498" y="1248612"/>
+            <a:ext cx="1906291" cy="307777"/>
           </a:xfrm>
           <a:prstGeom prst="rect">
             <a:avLst/>
@@ -12400,10 +12587,10 @@
           <a:lstStyle/>
           <a:p>
             <a:r>
-              <a:rPr lang="en-US" dirty="0" smtClean="0"/>
+              <a:rPr lang="en-US" sz="1400" dirty="0" smtClean="0"/>
               <a:t>Grayscale 3D Neuron</a:t>
             </a:r>
-            <a:endParaRPr lang="en-US" dirty="0"/>
+            <a:endParaRPr lang="en-US" sz="1400" dirty="0"/>
           </a:p>
         </p:txBody>
       </p:sp>
@@ -12415,8 +12602,8 @@
         </p:nvSpPr>
         <p:spPr>
           <a:xfrm>
-            <a:off x="2987824" y="3717032"/>
-            <a:ext cx="1646605" cy="369332"/>
+            <a:off x="2894339" y="3727037"/>
+            <a:ext cx="3111749" cy="307777"/>
           </a:xfrm>
           <a:prstGeom prst="rect">
             <a:avLst/>
@@ -12430,10 +12617,44 @@
           <a:lstStyle/>
           <a:p>
             <a:r>
-              <a:rPr lang="en-US" smtClean="0"/>
-              <a:t>Stimulation of </a:t>
-            </a:r>
-            <a:endParaRPr lang="en-US" dirty="0"/>
+              <a:rPr lang="en-US" sz="1400" dirty="0" smtClean="0"/>
+              <a:t>Stimulation </a:t>
+            </a:r>
+            <a:r>
+              <a:rPr lang="en-US" sz="1400" dirty="0" smtClean="0"/>
+              <a:t>of Digital Reconstruction </a:t>
+            </a:r>
+            <a:endParaRPr lang="en-US" sz="1400" dirty="0"/>
+          </a:p>
+        </p:txBody>
+      </p:sp>
+      <p:sp>
+        <p:nvSpPr>
+          <p:cNvPr id="9" name="TextBox 8"/>
+          <p:cNvSpPr txBox="1"/>
+          <p:nvPr/>
+        </p:nvSpPr>
+        <p:spPr>
+          <a:xfrm>
+            <a:off x="5448842" y="1289342"/>
+            <a:ext cx="2672526" cy="307777"/>
+          </a:xfrm>
+          <a:prstGeom prst="rect">
+            <a:avLst/>
+          </a:prstGeom>
+          <a:noFill/>
+        </p:spPr>
+        <p:txBody>
+          <a:bodyPr wrap="none" rtlCol="0">
+            <a:spAutoFit/>
+          </a:bodyPr>
+          <a:lstStyle/>
+          <a:p>
+            <a:r>
+              <a:rPr lang="en-US" sz="1400" dirty="0" smtClean="0"/>
+              <a:t>Estimation of radius of skeleton</a:t>
+            </a:r>
+            <a:endParaRPr lang="en-US" sz="1400" dirty="0"/>
           </a:p>
         </p:txBody>
       </p:sp>
@@ -12754,11 +12975,7 @@
                     <a:p>
                       <a:r>
                         <a:rPr lang="en-US" dirty="0" smtClean="0"/>
-                        <a:t> </a:t>
-                      </a:r>
-                      <a:r>
-                        <a:rPr lang="en-US" dirty="0" smtClean="0"/>
-                        <a:t>7.6</a:t>
+                        <a:t> 7.6</a:t>
                       </a:r>
                       <a:endParaRPr lang="en-US" dirty="0"/>
                     </a:p>
@@ -13061,11 +13278,7 @@
                     <a:p>
                       <a:r>
                         <a:rPr lang="en-US" dirty="0" smtClean="0"/>
-                        <a:t> </a:t>
-                      </a:r>
-                      <a:r>
-                        <a:rPr lang="en-US" dirty="0" smtClean="0"/>
-                        <a:t>8.9</a:t>
+                        <a:t> 8.9</a:t>
                       </a:r>
                       <a:endParaRPr lang="en-US" dirty="0"/>
                     </a:p>

--- a/test/presentation.pptx
+++ b/test/presentation.pptx
@@ -151,7 +151,7 @@
   </p:defaultTextStyle>
   <p:extLst>
     <p:ext uri="{EFAFB233-063F-42B5-8137-9DF3F51BA10A}">
-      <p15:sldGuideLst xmlns="" xmlns:p15="http://schemas.microsoft.com/office/powerpoint/2012/main">
+      <p15:sldGuideLst xmlns:p15="http://schemas.microsoft.com/office/powerpoint/2012/main" xmlns="">
         <p15:guide id="1" orient="horz" pos="164">
           <p15:clr>
             <a:srgbClr val="A4A3A4"/>
@@ -312,7 +312,7 @@
               <a:pPr>
                 <a:defRPr/>
               </a:pPr>
-              <a:t>5/9/2015</a:t>
+              <a:t>5/10/2015</a:t>
             </a:fld>
             <a:endParaRPr lang="en-AU"/>
           </a:p>
@@ -10040,47 +10040,41 @@
           <a:p>
             <a:r>
               <a:rPr lang="en-US" dirty="0" smtClean="0"/>
-              <a:t>GA-</a:t>
-            </a:r>
-            <a:r>
-              <a:rPr lang="en-US" dirty="0" err="1" smtClean="0"/>
-              <a:t>ParFnt</a:t>
-            </a:r>
+              <a:t>The image quality is improved by image processing techniques such as noise reduction, deconvolution and shade correction.</a:t>
+            </a:r>
+          </a:p>
+          <a:p>
+            <a:endParaRPr lang="en-US" dirty="0" smtClean="0"/>
+          </a:p>
+          <a:p>
             <a:r>
               <a:rPr lang="en-US" dirty="0" smtClean="0"/>
-              <a:t> was effective in finding the Pareto Front of executing jobs </a:t>
-            </a:r>
-            <a:r>
-              <a:rPr lang="en-US" dirty="0" err="1" smtClean="0"/>
-              <a:t>vs</a:t>
+              <a:t>The k-means algorithms is optimized </a:t>
             </a:r>
             <a:r>
               <a:rPr lang="en-US" dirty="0" smtClean="0"/>
-              <a:t> Transfer time of Datafiles in Grids</a:t>
-            </a:r>
-          </a:p>
-          <a:p>
+              <a:t>with KNN. The clustering resulting of k-means is valuable information for soma detection and tree segmentation. </a:t>
+            </a:r>
             <a:endParaRPr lang="en-US" dirty="0" smtClean="0"/>
           </a:p>
           <a:p>
+            <a:endParaRPr lang="en-US" dirty="0" smtClean="0"/>
+          </a:p>
+          <a:p>
             <a:r>
               <a:rPr lang="en-US" dirty="0" smtClean="0"/>
-              <a:t>Such Pareto Front could be estimated by exponential </a:t>
-            </a:r>
-            <a:r>
-              <a:rPr lang="en-US" dirty="0" err="1" smtClean="0"/>
-              <a:t>funcitons</a:t>
+              <a:t>Tree segmentation can be achieved by the principal curve.</a:t>
+            </a:r>
+          </a:p>
+          <a:p>
+            <a:endParaRPr lang="en-US" dirty="0"/>
+          </a:p>
+          <a:p>
+            <a:r>
+              <a:rPr lang="en-US" dirty="0" smtClean="0"/>
+              <a:t>Our model is quite robust even when most of neuron signal is deleted. </a:t>
             </a:r>
             <a:endParaRPr lang="en-US" dirty="0" smtClean="0"/>
-          </a:p>
-          <a:p>
-            <a:endParaRPr lang="en-US" dirty="0" smtClean="0"/>
-          </a:p>
-          <a:p>
-            <a:r>
-              <a:rPr lang="en-US" dirty="0" smtClean="0"/>
-              <a:t>Many scheduling algorithms are not optimal, despite their claim.</a:t>
-            </a:r>
           </a:p>
           <a:p>
             <a:pPr marL="0" indent="0">
@@ -10237,6 +10231,36 @@
           </a:p>
         </p:txBody>
       </p:sp>
+      <p:sp>
+        <p:nvSpPr>
+          <p:cNvPr id="5" name="TextBox 4"/>
+          <p:cNvSpPr txBox="1"/>
+          <p:nvPr/>
+        </p:nvSpPr>
+        <p:spPr>
+          <a:xfrm>
+            <a:off x="3275856" y="4579910"/>
+            <a:ext cx="2262158" cy="646331"/>
+          </a:xfrm>
+          <a:prstGeom prst="rect">
+            <a:avLst/>
+          </a:prstGeom>
+          <a:noFill/>
+        </p:spPr>
+        <p:txBody>
+          <a:bodyPr wrap="none" rtlCol="0">
+            <a:spAutoFit/>
+          </a:bodyPr>
+          <a:lstStyle/>
+          <a:p>
+            <a:r>
+              <a:rPr lang="en-US" sz="3600" dirty="0" smtClean="0"/>
+              <a:t>Questions</a:t>
+            </a:r>
+            <a:endParaRPr lang="en-US" sz="3600" dirty="0"/>
+          </a:p>
+        </p:txBody>
+      </p:sp>
     </p:spTree>
   </p:cSld>
   <p:clrMapOvr>
@@ -10334,16 +10358,22 @@
           </a:p>
           <a:p>
             <a:r>
-              <a:rPr lang="en-AU" dirty="0"/>
-              <a:t>Soma Segmentation</a:t>
-            </a:r>
-          </a:p>
-          <a:p>
-            <a:pPr lvl="1"/>
-            <a:r>
               <a:rPr lang="en-AU" dirty="0" smtClean="0"/>
               <a:t>Image Processing</a:t>
             </a:r>
+            <a:endParaRPr lang="en-AU" dirty="0" smtClean="0"/>
+          </a:p>
+          <a:p>
+            <a:pPr lvl="1"/>
+            <a:r>
+              <a:rPr lang="en-AU" dirty="0" smtClean="0"/>
+              <a:t>Adjustable </a:t>
+            </a:r>
+            <a:r>
+              <a:rPr lang="en-AU" dirty="0" err="1" smtClean="0"/>
+              <a:t>Binarization</a:t>
+            </a:r>
+            <a:endParaRPr lang="en-AU" dirty="0" smtClean="0"/>
           </a:p>
           <a:p>
             <a:pPr lvl="1"/>
@@ -10351,37 +10381,28 @@
               <a:rPr lang="en-AU" dirty="0" smtClean="0"/>
               <a:t>K-means</a:t>
             </a:r>
+            <a:endParaRPr lang="en-AU" dirty="0" smtClean="0"/>
           </a:p>
           <a:p>
             <a:r>
               <a:rPr lang="en-AU" dirty="0" smtClean="0"/>
-              <a:t>Tree </a:t>
-            </a:r>
-            <a:r>
-              <a:rPr lang="en-AU" dirty="0"/>
-              <a:t>Segmentation</a:t>
-            </a:r>
-          </a:p>
-          <a:p>
-            <a:pPr lvl="1"/>
-            <a:r>
-              <a:rPr lang="en-AU" dirty="0" err="1" smtClean="0"/>
-              <a:t>Binarization</a:t>
-            </a:r>
-            <a:endParaRPr lang="en-AU" dirty="0" smtClean="0"/>
-          </a:p>
-          <a:p>
-            <a:pPr lvl="1"/>
-            <a:r>
-              <a:rPr lang="en-AU" dirty="0" err="1" smtClean="0"/>
-              <a:t>Skeletonization</a:t>
-            </a:r>
-            <a:endParaRPr lang="en-AU" dirty="0" smtClean="0"/>
+              <a:t>Soma Segmentation </a:t>
+            </a:r>
           </a:p>
           <a:p>
             <a:r>
               <a:rPr lang="en-AU" dirty="0" smtClean="0"/>
-              <a:t>Stimulation and Analysis of Digital Construction  </a:t>
+              <a:t>Tree Segmentation</a:t>
+            </a:r>
+          </a:p>
+          <a:p>
+            <a:r>
+              <a:rPr lang="en-AU" dirty="0" smtClean="0"/>
+              <a:t>Stimulation </a:t>
+            </a:r>
+            <a:r>
+              <a:rPr lang="en-AU" dirty="0" smtClean="0"/>
+              <a:t>and Analysis of Digital Construction  </a:t>
             </a:r>
           </a:p>
           <a:p>
@@ -10588,7 +10609,7 @@
                                         <p:tgtEl>
                                           <p:spTgt spid="3">
                                             <p:txEl>
-                                              <p:pRg st="6" end="6"/>
+                                              <p:pRg st="7" end="7"/>
                                             </p:txEl>
                                           </p:spTgt>
                                         </p:tgtEl>
@@ -10606,7 +10627,7 @@
                                         <p:tgtEl>
                                           <p:spTgt spid="3">
                                             <p:txEl>
-                                              <p:pRg st="6" end="6"/>
+                                              <p:pRg st="7" end="7"/>
                                             </p:txEl>
                                           </p:spTgt>
                                         </p:tgtEl>
@@ -10640,7 +10661,7 @@
                                         <p:tgtEl>
                                           <p:spTgt spid="3">
                                             <p:txEl>
-                                              <p:pRg st="7" end="7"/>
+                                              <p:pRg st="8" end="8"/>
                                             </p:txEl>
                                           </p:spTgt>
                                         </p:tgtEl>
@@ -10658,7 +10679,7 @@
                                         <p:tgtEl>
                                           <p:spTgt spid="3">
                                             <p:txEl>
-                                              <p:pRg st="7" end="7"/>
+                                              <p:pRg st="8" end="8"/>
                                             </p:txEl>
                                           </p:spTgt>
                                         </p:tgtEl>
@@ -10692,7 +10713,7 @@
                                         <p:tgtEl>
                                           <p:spTgt spid="3">
                                             <p:txEl>
-                                              <p:pRg st="8" end="8"/>
+                                              <p:pRg st="3" end="3"/>
                                             </p:txEl>
                                           </p:spTgt>
                                         </p:tgtEl>
@@ -10710,7 +10731,7 @@
                                         <p:tgtEl>
                                           <p:spTgt spid="3">
                                             <p:txEl>
-                                              <p:pRg st="8" end="8"/>
+                                              <p:pRg st="3" end="3"/>
                                             </p:txEl>
                                           </p:spTgt>
                                         </p:tgtEl>
@@ -10744,7 +10765,7 @@
                                         <p:tgtEl>
                                           <p:spTgt spid="3">
                                             <p:txEl>
-                                              <p:pRg st="9" end="9"/>
+                                              <p:pRg st="4" end="4"/>
                                             </p:txEl>
                                           </p:spTgt>
                                         </p:tgtEl>
@@ -10762,7 +10783,7 @@
                                         <p:tgtEl>
                                           <p:spTgt spid="3">
                                             <p:txEl>
-                                              <p:pRg st="9" end="9"/>
+                                              <p:pRg st="4" end="4"/>
                                             </p:txEl>
                                           </p:spTgt>
                                         </p:tgtEl>
@@ -10796,7 +10817,7 @@
                                         <p:tgtEl>
                                           <p:spTgt spid="3">
                                             <p:txEl>
-                                              <p:pRg st="3" end="3"/>
+                                              <p:pRg st="5" end="5"/>
                                             </p:txEl>
                                           </p:spTgt>
                                         </p:tgtEl>
@@ -10814,7 +10835,7 @@
                                         <p:tgtEl>
                                           <p:spTgt spid="3">
                                             <p:txEl>
-                                              <p:pRg st="3" end="3"/>
+                                              <p:pRg st="5" end="5"/>
                                             </p:txEl>
                                           </p:spTgt>
                                         </p:tgtEl>
@@ -10848,7 +10869,7 @@
                                         <p:tgtEl>
                                           <p:spTgt spid="3">
                                             <p:txEl>
-                                              <p:pRg st="4" end="4"/>
+                                              <p:pRg st="6" end="6"/>
                                             </p:txEl>
                                           </p:spTgt>
                                         </p:tgtEl>
@@ -10866,7 +10887,7 @@
                                         <p:tgtEl>
                                           <p:spTgt spid="3">
                                             <p:txEl>
-                                              <p:pRg st="4" end="4"/>
+                                              <p:pRg st="6" end="6"/>
                                             </p:txEl>
                                           </p:spTgt>
                                         </p:tgtEl>
@@ -10900,7 +10921,7 @@
                                         <p:tgtEl>
                                           <p:spTgt spid="3">
                                             <p:txEl>
-                                              <p:pRg st="5" end="5"/>
+                                              <p:pRg st="9" end="9"/>
                                             </p:txEl>
                                           </p:spTgt>
                                         </p:tgtEl>
@@ -10918,59 +10939,7 @@
                                         <p:tgtEl>
                                           <p:spTgt spid="3">
                                             <p:txEl>
-                                              <p:pRg st="5" end="5"/>
-                                            </p:txEl>
-                                          </p:spTgt>
-                                        </p:tgtEl>
-                                      </p:cBhvr>
-                                    </p:animEffect>
-                                  </p:childTnLst>
-                                </p:cTn>
-                              </p:par>
-                            </p:childTnLst>
-                          </p:cTn>
-                        </p:par>
-                        <p:par>
-                          <p:cTn id="40" fill="hold">
-                            <p:stCondLst>
-                              <p:cond delay="4500"/>
-                            </p:stCondLst>
-                            <p:childTnLst>
-                              <p:par>
-                                <p:cTn id="41" presetID="9" presetClass="entr" presetSubtype="0" fill="hold" nodeType="afterEffect">
-                                  <p:stCondLst>
-                                    <p:cond delay="0"/>
-                                  </p:stCondLst>
-                                  <p:childTnLst>
-                                    <p:set>
-                                      <p:cBhvr>
-                                        <p:cTn id="42" dur="1" fill="hold">
-                                          <p:stCondLst>
-                                            <p:cond delay="0"/>
-                                          </p:stCondLst>
-                                        </p:cTn>
-                                        <p:tgtEl>
-                                          <p:spTgt spid="3">
-                                            <p:txEl>
-                                              <p:pRg st="10" end="10"/>
-                                            </p:txEl>
-                                          </p:spTgt>
-                                        </p:tgtEl>
-                                        <p:attrNameLst>
-                                          <p:attrName>style.visibility</p:attrName>
-                                        </p:attrNameLst>
-                                      </p:cBhvr>
-                                      <p:to>
-                                        <p:strVal val="visible"/>
-                                      </p:to>
-                                    </p:set>
-                                    <p:animEffect transition="in" filter="dissolve">
-                                      <p:cBhvr>
-                                        <p:cTn id="43" dur="500"/>
-                                        <p:tgtEl>
-                                          <p:spTgt spid="3">
-                                            <p:txEl>
-                                              <p:pRg st="10" end="10"/>
+                                              <p:pRg st="9" end="9"/>
                                             </p:txEl>
                                           </p:spTgt>
                                         </p:tgtEl>
@@ -11170,7 +11139,7 @@
           <a:p>
             <a:r>
               <a:rPr lang="en-AU" dirty="0" smtClean="0"/>
-              <a:t>Tree Segmentation</a:t>
+              <a:t>Image Processing</a:t>
             </a:r>
             <a:endParaRPr lang="en-AU" dirty="0"/>
           </a:p>
@@ -11315,7 +11284,6 @@
               <a:rPr lang="en-US" dirty="0"/>
               <a:t>Grayscale 3D Neuron</a:t>
             </a:r>
-            <a:endParaRPr lang="en-US" dirty="0"/>
           </a:p>
         </p:txBody>
       </p:sp>
@@ -11351,15 +11319,7 @@
             </a:r>
             <a:r>
               <a:rPr lang="en-US" dirty="0" smtClean="0"/>
-              <a:t> </a:t>
-            </a:r>
-            <a:r>
-              <a:rPr lang="en-US" dirty="0" smtClean="0"/>
-              <a:t>3D </a:t>
-            </a:r>
-            <a:r>
-              <a:rPr lang="en-US" dirty="0" smtClean="0"/>
-              <a:t>Neuron using KNN </a:t>
+              <a:t> 3D Neuron using KNN </a:t>
             </a:r>
             <a:endParaRPr lang="en-US" dirty="0"/>
           </a:p>
@@ -11431,11 +11391,7 @@
           <a:p>
             <a:r>
               <a:rPr lang="en-AU" dirty="0" smtClean="0"/>
-              <a:t>Soma </a:t>
-            </a:r>
-            <a:r>
-              <a:rPr lang="en-AU" dirty="0" smtClean="0"/>
-              <a:t>Segmentation</a:t>
+              <a:t>Soma Segmentation</a:t>
             </a:r>
             <a:endParaRPr lang="en-AU" dirty="0"/>
           </a:p>
@@ -11681,11 +11637,7 @@
           <a:p>
             <a:r>
               <a:rPr lang="en-AU" dirty="0" smtClean="0"/>
-              <a:t>Soma </a:t>
-            </a:r>
-            <a:r>
-              <a:rPr lang="en-AU" dirty="0" smtClean="0"/>
-              <a:t>Segmentation</a:t>
+              <a:t>Soma Segmentation</a:t>
             </a:r>
             <a:endParaRPr lang="en-AU" dirty="0"/>
           </a:p>
@@ -12205,11 +12157,7 @@
             </a:r>
             <a:r>
               <a:rPr lang="en-US" dirty="0" smtClean="0"/>
-              <a:t>(or Grayscale) </a:t>
-            </a:r>
-            <a:r>
-              <a:rPr lang="en-US" dirty="0" smtClean="0"/>
-              <a:t>3D Neuron </a:t>
+              <a:t>(or Grayscale) 3D Neuron </a:t>
             </a:r>
             <a:endParaRPr lang="en-US" dirty="0"/>
           </a:p>
@@ -12618,11 +12566,7 @@
           <a:p>
             <a:r>
               <a:rPr lang="en-US" sz="1400" dirty="0" smtClean="0"/>
-              <a:t>Stimulation </a:t>
-            </a:r>
-            <a:r>
-              <a:rPr lang="en-US" sz="1400" dirty="0" smtClean="0"/>
-              <a:t>of Digital Reconstruction </a:t>
+              <a:t>Stimulation of Digital Reconstruction </a:t>
             </a:r>
             <a:endParaRPr lang="en-US" sz="1400" dirty="0"/>
           </a:p>

--- a/test/presentation.pptx
+++ b/test/presentation.pptx
@@ -151,7 +151,7 @@
   </p:defaultTextStyle>
   <p:extLst>
     <p:ext uri="{EFAFB233-063F-42B5-8137-9DF3F51BA10A}">
-      <p15:sldGuideLst xmlns:p15="http://schemas.microsoft.com/office/powerpoint/2012/main" xmlns="">
+      <p15:sldGuideLst xmlns="" xmlns:p15="http://schemas.microsoft.com/office/powerpoint/2012/main">
         <p15:guide id="1" orient="horz" pos="164">
           <p15:clr>
             <a:srgbClr val="A4A3A4"/>
@@ -10049,13 +10049,8 @@
           <a:p>
             <a:r>
               <a:rPr lang="en-US" dirty="0" smtClean="0"/>
-              <a:t>The k-means algorithms is optimized </a:t>
-            </a:r>
-            <a:r>
-              <a:rPr lang="en-US" dirty="0" smtClean="0"/>
-              <a:t>with KNN. The clustering resulting of k-means is valuable information for soma detection and tree segmentation. </a:t>
-            </a:r>
-            <a:endParaRPr lang="en-US" dirty="0" smtClean="0"/>
+              <a:t>The k-means algorithms is optimized with KNN. The clustering resulting of k-means is valuable information for soma detection and tree segmentation. </a:t>
+            </a:r>
           </a:p>
           <a:p>
             <a:endParaRPr lang="en-US" dirty="0" smtClean="0"/>
@@ -10074,7 +10069,6 @@
               <a:rPr lang="en-US" dirty="0" smtClean="0"/>
               <a:t>Our model is quite robust even when most of neuron signal is deleted. </a:t>
             </a:r>
-            <a:endParaRPr lang="en-US" dirty="0" smtClean="0"/>
           </a:p>
           <a:p>
             <a:pPr marL="0" indent="0">
@@ -10361,7 +10355,6 @@
               <a:rPr lang="en-AU" dirty="0" smtClean="0"/>
               <a:t>Image Processing</a:t>
             </a:r>
-            <a:endParaRPr lang="en-AU" dirty="0" smtClean="0"/>
           </a:p>
           <a:p>
             <a:pPr lvl="1"/>
@@ -10381,7 +10374,6 @@
               <a:rPr lang="en-AU" dirty="0" smtClean="0"/>
               <a:t>K-means</a:t>
             </a:r>
-            <a:endParaRPr lang="en-AU" dirty="0" smtClean="0"/>
           </a:p>
           <a:p>
             <a:r>
@@ -10398,11 +10390,7 @@
           <a:p>
             <a:r>
               <a:rPr lang="en-AU" dirty="0" smtClean="0"/>
-              <a:t>Stimulation </a:t>
-            </a:r>
-            <a:r>
-              <a:rPr lang="en-AU" dirty="0" smtClean="0"/>
-              <a:t>and Analysis of Digital Construction  </a:t>
+              <a:t>Stimulation and Analysis of Digital Construction  </a:t>
             </a:r>
           </a:p>
           <a:p>
@@ -11073,6 +11061,219 @@
           </a:p>
         </p:txBody>
       </p:sp>
+      <p:grpSp>
+        <p:nvGrpSpPr>
+          <p:cNvPr id="15" name="Group 14"/>
+          <p:cNvGrpSpPr/>
+          <p:nvPr/>
+        </p:nvGrpSpPr>
+        <p:grpSpPr>
+          <a:xfrm>
+            <a:off x="1331640" y="1556792"/>
+            <a:ext cx="6264696" cy="4616896"/>
+            <a:chOff x="1331640" y="1340768"/>
+            <a:chExt cx="6264696" cy="4616896"/>
+          </a:xfrm>
+        </p:grpSpPr>
+        <p:grpSp>
+          <p:nvGrpSpPr>
+            <p:cNvPr id="14" name="Group 13"/>
+            <p:cNvGrpSpPr/>
+            <p:nvPr/>
+          </p:nvGrpSpPr>
+          <p:grpSpPr>
+            <a:xfrm>
+              <a:off x="1331640" y="1340768"/>
+              <a:ext cx="6264696" cy="4616896"/>
+              <a:chOff x="1331640" y="1340768"/>
+              <a:chExt cx="6264696" cy="4616896"/>
+            </a:xfrm>
+          </p:grpSpPr>
+          <p:grpSp>
+            <p:nvGrpSpPr>
+              <p:cNvPr id="13" name="Group 12"/>
+              <p:cNvGrpSpPr/>
+              <p:nvPr/>
+            </p:nvGrpSpPr>
+            <p:grpSpPr>
+              <a:xfrm>
+                <a:off x="1331640" y="1340768"/>
+                <a:ext cx="6264696" cy="4616896"/>
+                <a:chOff x="827584" y="1556792"/>
+                <a:chExt cx="7416824" cy="6168342"/>
+              </a:xfrm>
+            </p:grpSpPr>
+            <p:pic>
+              <p:nvPicPr>
+                <p:cNvPr id="6" name="Picture 5"/>
+                <p:cNvPicPr>
+                  <a:picLocks noChangeAspect="1"/>
+                </p:cNvPicPr>
+                <p:nvPr/>
+              </p:nvPicPr>
+              <p:blipFill>
+                <a:blip r:embed="rId2">
+                  <a:extLst>
+                    <a:ext uri="{28A0092B-C50C-407E-A947-70E740481C1C}">
+                      <a14:useLocalDpi xmlns:a14="http://schemas.microsoft.com/office/drawing/2010/main" val="0"/>
+                    </a:ext>
+                  </a:extLst>
+                </a:blip>
+                <a:stretch>
+                  <a:fillRect/>
+                </a:stretch>
+              </p:blipFill>
+              <p:spPr>
+                <a:xfrm>
+                  <a:off x="827584" y="1556792"/>
+                  <a:ext cx="7416824" cy="6168342"/>
+                </a:xfrm>
+                <a:prstGeom prst="rect">
+                  <a:avLst/>
+                </a:prstGeom>
+              </p:spPr>
+            </p:pic>
+            <p:sp>
+              <p:nvSpPr>
+                <p:cNvPr id="10" name="Donut 9"/>
+                <p:cNvSpPr/>
+                <p:nvPr/>
+              </p:nvSpPr>
+              <p:spPr>
+                <a:xfrm>
+                  <a:off x="5220072" y="2636912"/>
+                  <a:ext cx="1368152" cy="936104"/>
+                </a:xfrm>
+                <a:prstGeom prst="donut">
+                  <a:avLst>
+                    <a:gd name="adj" fmla="val 6471"/>
+                  </a:avLst>
+                </a:prstGeom>
+              </p:spPr>
+              <p:style>
+                <a:lnRef idx="2">
+                  <a:schemeClr val="accent1">
+                    <a:shade val="50000"/>
+                  </a:schemeClr>
+                </a:lnRef>
+                <a:fillRef idx="1">
+                  <a:schemeClr val="accent1"/>
+                </a:fillRef>
+                <a:effectRef idx="0">
+                  <a:schemeClr val="accent1"/>
+                </a:effectRef>
+                <a:fontRef idx="minor">
+                  <a:schemeClr val="lt1"/>
+                </a:fontRef>
+              </p:style>
+              <p:txBody>
+                <a:bodyPr rtlCol="0" anchor="ctr"/>
+                <a:lstStyle/>
+                <a:p>
+                  <a:pPr algn="ctr"/>
+                  <a:endParaRPr lang="en-US">
+                    <a:solidFill>
+                      <a:schemeClr val="tx1"/>
+                    </a:solidFill>
+                  </a:endParaRPr>
+                </a:p>
+              </p:txBody>
+            </p:sp>
+          </p:grpSp>
+          <p:sp>
+            <p:nvSpPr>
+              <p:cNvPr id="11" name="Donut 10"/>
+              <p:cNvSpPr/>
+              <p:nvPr/>
+            </p:nvSpPr>
+            <p:spPr>
+              <a:xfrm>
+                <a:off x="6732240" y="4797152"/>
+                <a:ext cx="360040" cy="223398"/>
+              </a:xfrm>
+              <a:prstGeom prst="donut">
+                <a:avLst>
+                  <a:gd name="adj" fmla="val 6471"/>
+                </a:avLst>
+              </a:prstGeom>
+            </p:spPr>
+            <p:style>
+              <a:lnRef idx="2">
+                <a:schemeClr val="accent1">
+                  <a:shade val="50000"/>
+                </a:schemeClr>
+              </a:lnRef>
+              <a:fillRef idx="1">
+                <a:schemeClr val="accent1"/>
+              </a:fillRef>
+              <a:effectRef idx="0">
+                <a:schemeClr val="accent1"/>
+              </a:effectRef>
+              <a:fontRef idx="minor">
+                <a:schemeClr val="lt1"/>
+              </a:fontRef>
+            </p:style>
+            <p:txBody>
+              <a:bodyPr rtlCol="0" anchor="ctr"/>
+              <a:lstStyle/>
+              <a:p>
+                <a:pPr algn="ctr"/>
+                <a:endParaRPr lang="en-US">
+                  <a:solidFill>
+                    <a:schemeClr val="tx1"/>
+                  </a:solidFill>
+                </a:endParaRPr>
+              </a:p>
+            </p:txBody>
+          </p:sp>
+        </p:grpSp>
+        <p:sp>
+          <p:nvSpPr>
+            <p:cNvPr id="12" name="Donut 11"/>
+            <p:cNvSpPr/>
+            <p:nvPr/>
+          </p:nvSpPr>
+          <p:spPr>
+            <a:xfrm>
+              <a:off x="6094329" y="5157192"/>
+              <a:ext cx="120770" cy="288032"/>
+            </a:xfrm>
+            <a:prstGeom prst="donut">
+              <a:avLst>
+                <a:gd name="adj" fmla="val 6471"/>
+              </a:avLst>
+            </a:prstGeom>
+          </p:spPr>
+          <p:style>
+            <a:lnRef idx="2">
+              <a:schemeClr val="accent1">
+                <a:shade val="50000"/>
+              </a:schemeClr>
+            </a:lnRef>
+            <a:fillRef idx="1">
+              <a:schemeClr val="accent1"/>
+            </a:fillRef>
+            <a:effectRef idx="0">
+              <a:schemeClr val="accent1"/>
+            </a:effectRef>
+            <a:fontRef idx="minor">
+              <a:schemeClr val="lt1"/>
+            </a:fontRef>
+          </p:style>
+          <p:txBody>
+            <a:bodyPr rtlCol="0" anchor="ctr"/>
+            <a:lstStyle/>
+            <a:p>
+              <a:pPr algn="ctr"/>
+              <a:endParaRPr lang="en-US">
+                <a:solidFill>
+                  <a:schemeClr val="tx1"/>
+                </a:solidFill>
+              </a:endParaRPr>
+            </a:p>
+          </p:txBody>
+        </p:sp>
+      </p:grpSp>
     </p:spTree>
     <p:extLst>
       <p:ext uri="{BB962C8B-B14F-4D97-AF65-F5344CB8AC3E}">
